--- a/docs/songs/wide as the sky.pptx
+++ b/docs/songs/wide as the sky.pptx
@@ -308,7 +308,7 @@
             <a:fld id="{26EA1CF3-4A15-4CBF-9A5A-6A56C368BE71}" type="datetimeFigureOut">
               <a:rPr lang="en-GB" smtClean="0"/>
               <a:pPr/>
-              <a:t>03/10/2022</a:t>
+              <a:t>03/11/2025</a:t>
             </a:fld>
             <a:endParaRPr lang="en-GB"/>
           </a:p>
@@ -475,7 +475,7 @@
             <a:fld id="{26EA1CF3-4A15-4CBF-9A5A-6A56C368BE71}" type="datetimeFigureOut">
               <a:rPr lang="en-GB" smtClean="0"/>
               <a:pPr/>
-              <a:t>03/10/2022</a:t>
+              <a:t>03/11/2025</a:t>
             </a:fld>
             <a:endParaRPr lang="en-GB"/>
           </a:p>
@@ -652,7 +652,7 @@
             <a:fld id="{26EA1CF3-4A15-4CBF-9A5A-6A56C368BE71}" type="datetimeFigureOut">
               <a:rPr lang="en-GB" smtClean="0"/>
               <a:pPr/>
-              <a:t>03/10/2022</a:t>
+              <a:t>03/11/2025</a:t>
             </a:fld>
             <a:endParaRPr lang="en-GB"/>
           </a:p>
@@ -819,7 +819,7 @@
             <a:fld id="{26EA1CF3-4A15-4CBF-9A5A-6A56C368BE71}" type="datetimeFigureOut">
               <a:rPr lang="en-GB" smtClean="0"/>
               <a:pPr/>
-              <a:t>03/10/2022</a:t>
+              <a:t>03/11/2025</a:t>
             </a:fld>
             <a:endParaRPr lang="en-GB"/>
           </a:p>
@@ -1062,7 +1062,7 @@
             <a:fld id="{26EA1CF3-4A15-4CBF-9A5A-6A56C368BE71}" type="datetimeFigureOut">
               <a:rPr lang="en-GB" smtClean="0"/>
               <a:pPr/>
-              <a:t>03/10/2022</a:t>
+              <a:t>03/11/2025</a:t>
             </a:fld>
             <a:endParaRPr lang="en-GB"/>
           </a:p>
@@ -1347,7 +1347,7 @@
             <a:fld id="{26EA1CF3-4A15-4CBF-9A5A-6A56C368BE71}" type="datetimeFigureOut">
               <a:rPr lang="en-GB" smtClean="0"/>
               <a:pPr/>
-              <a:t>03/10/2022</a:t>
+              <a:t>03/11/2025</a:t>
             </a:fld>
             <a:endParaRPr lang="en-GB"/>
           </a:p>
@@ -1766,7 +1766,7 @@
             <a:fld id="{26EA1CF3-4A15-4CBF-9A5A-6A56C368BE71}" type="datetimeFigureOut">
               <a:rPr lang="en-GB" smtClean="0"/>
               <a:pPr/>
-              <a:t>03/10/2022</a:t>
+              <a:t>03/11/2025</a:t>
             </a:fld>
             <a:endParaRPr lang="en-GB"/>
           </a:p>
@@ -1881,7 +1881,7 @@
             <a:fld id="{26EA1CF3-4A15-4CBF-9A5A-6A56C368BE71}" type="datetimeFigureOut">
               <a:rPr lang="en-GB" smtClean="0"/>
               <a:pPr/>
-              <a:t>03/10/2022</a:t>
+              <a:t>03/11/2025</a:t>
             </a:fld>
             <a:endParaRPr lang="en-GB"/>
           </a:p>
@@ -1973,7 +1973,7 @@
             <a:fld id="{26EA1CF3-4A15-4CBF-9A5A-6A56C368BE71}" type="datetimeFigureOut">
               <a:rPr lang="en-GB" smtClean="0"/>
               <a:pPr/>
-              <a:t>03/10/2022</a:t>
+              <a:t>03/11/2025</a:t>
             </a:fld>
             <a:endParaRPr lang="en-GB"/>
           </a:p>
@@ -2247,7 +2247,7 @@
             <a:fld id="{26EA1CF3-4A15-4CBF-9A5A-6A56C368BE71}" type="datetimeFigureOut">
               <a:rPr lang="en-GB" smtClean="0"/>
               <a:pPr/>
-              <a:t>03/10/2022</a:t>
+              <a:t>03/11/2025</a:t>
             </a:fld>
             <a:endParaRPr lang="en-GB"/>
           </a:p>
@@ -2497,7 +2497,7 @@
             <a:fld id="{26EA1CF3-4A15-4CBF-9A5A-6A56C368BE71}" type="datetimeFigureOut">
               <a:rPr lang="en-GB" smtClean="0"/>
               <a:pPr/>
-              <a:t>03/10/2022</a:t>
+              <a:t>03/11/2025</a:t>
             </a:fld>
             <a:endParaRPr lang="en-GB"/>
           </a:p>
@@ -2710,7 +2710,7 @@
             <a:fld id="{26EA1CF3-4A15-4CBF-9A5A-6A56C368BE71}" type="datetimeFigureOut">
               <a:rPr lang="en-GB" smtClean="0"/>
               <a:pPr/>
-              <a:t>03/10/2022</a:t>
+              <a:t>03/11/2025</a:t>
             </a:fld>
             <a:endParaRPr lang="en-GB"/>
           </a:p>
@@ -3329,7 +3329,7 @@
         </p:nvSpPr>
         <p:spPr>
           <a:xfrm>
-            <a:off x="323528" y="188640"/>
+            <a:off x="323528" y="836712"/>
             <a:ext cx="8640960" cy="6480720"/>
           </a:xfrm>
         </p:spPr>
@@ -3340,7 +3340,7 @@
           <a:lstStyle/>
           <a:p>
             <a:r>
-              <a:rPr lang="en-GB" sz="4600" dirty="0">
+              <a:rPr lang="en-GB" sz="3600" dirty="0">
                 <a:solidFill>
                   <a:schemeClr val="bg1"/>
                 </a:solidFill>
@@ -3350,7 +3350,7 @@
           </a:p>
           <a:p>
             <a:r>
-              <a:rPr lang="en-GB" sz="4600" dirty="0">
+              <a:rPr lang="en-GB" sz="3600" dirty="0">
                 <a:solidFill>
                   <a:schemeClr val="bg1"/>
                 </a:solidFill>
@@ -3360,7 +3360,7 @@
           </a:p>
           <a:p>
             <a:r>
-              <a:rPr lang="en-GB" sz="4600" dirty="0">
+              <a:rPr lang="en-GB" sz="3600" dirty="0">
                 <a:solidFill>
                   <a:schemeClr val="bg1"/>
                 </a:solidFill>
@@ -3370,17 +3370,17 @@
           </a:p>
           <a:p>
             <a:r>
-              <a:rPr lang="en-GB" sz="4600" dirty="0">
+              <a:rPr lang="en-GB" sz="3600" dirty="0">
                 <a:solidFill>
                   <a:schemeClr val="bg1"/>
                 </a:solidFill>
               </a:rPr>
-              <a:t>God we lift Your name high</a:t>
-            </a:r>
-          </a:p>
-          <a:p>
-            <a:r>
-              <a:rPr lang="en-GB" sz="4600" dirty="0">
+              <a:t>God, we lift Your name high</a:t>
+            </a:r>
+          </a:p>
+          <a:p>
+            <a:r>
+              <a:rPr lang="en-GB" sz="3600" dirty="0">
                 <a:solidFill>
                   <a:schemeClr val="bg1"/>
                 </a:solidFill>
@@ -3465,7 +3465,7 @@
         </p:nvSpPr>
         <p:spPr>
           <a:xfrm>
-            <a:off x="323528" y="188640"/>
+            <a:off x="323528" y="764704"/>
             <a:ext cx="8640960" cy="6480720"/>
           </a:xfrm>
         </p:spPr>
@@ -3476,7 +3476,7 @@
           <a:lstStyle/>
           <a:p>
             <a:r>
-              <a:rPr lang="en-GB" sz="4800" dirty="0">
+              <a:rPr lang="en-GB" sz="3600" dirty="0">
                 <a:solidFill>
                   <a:schemeClr val="bg1"/>
                 </a:solidFill>
@@ -3486,7 +3486,7 @@
           </a:p>
           <a:p>
             <a:r>
-              <a:rPr lang="en-GB" sz="4800" dirty="0">
+              <a:rPr lang="en-GB" sz="3600" dirty="0">
                 <a:solidFill>
                   <a:schemeClr val="bg1"/>
                 </a:solidFill>
@@ -3496,7 +3496,7 @@
           </a:p>
           <a:p>
             <a:r>
-              <a:rPr lang="en-GB" sz="4800" dirty="0">
+              <a:rPr lang="en-GB" sz="3600" dirty="0">
                 <a:solidFill>
                   <a:schemeClr val="bg1"/>
                 </a:solidFill>
@@ -3506,7 +3506,7 @@
           </a:p>
           <a:p>
             <a:r>
-              <a:rPr lang="en-GB" sz="4800" dirty="0">
+              <a:rPr lang="en-GB" sz="3600" dirty="0">
                 <a:solidFill>
                   <a:schemeClr val="bg1"/>
                 </a:solidFill>
@@ -3516,7 +3516,7 @@
           </a:p>
           <a:p>
             <a:r>
-              <a:rPr lang="en-GB" sz="4800" dirty="0">
+              <a:rPr lang="en-GB" sz="3600" dirty="0">
                 <a:solidFill>
                   <a:schemeClr val="bg1"/>
                 </a:solidFill>
@@ -3526,7 +3526,7 @@
           </a:p>
           <a:p>
             <a:r>
-              <a:rPr lang="en-GB" sz="4800" dirty="0">
+              <a:rPr lang="en-GB" sz="3600" dirty="0">
                 <a:solidFill>
                   <a:schemeClr val="bg1"/>
                 </a:solidFill>
@@ -3536,7 +3536,7 @@
           </a:p>
           <a:p>
             <a:r>
-              <a:rPr lang="en-GB" sz="4800" dirty="0">
+              <a:rPr lang="en-GB" sz="3600" dirty="0">
                 <a:solidFill>
                   <a:schemeClr val="bg1"/>
                 </a:solidFill>
@@ -3621,7 +3621,7 @@
         </p:nvSpPr>
         <p:spPr>
           <a:xfrm>
-            <a:off x="323528" y="188640"/>
+            <a:off x="323528" y="764704"/>
             <a:ext cx="8640960" cy="6480720"/>
           </a:xfrm>
         </p:spPr>
@@ -3632,22 +3632,22 @@
           <a:lstStyle/>
           <a:p>
             <a:r>
-              <a:rPr lang="en-GB" sz="4800" dirty="0">
+              <a:rPr lang="en-GB" sz="3600" dirty="0">
                 <a:solidFill>
                   <a:schemeClr val="bg1"/>
                 </a:solidFill>
               </a:rPr>
-              <a:t>Our God we lift You high </a:t>
+              <a:t>Our God, we lift You high </a:t>
             </a:r>
             <a:br>
-              <a:rPr lang="en-GB" sz="4800" dirty="0">
+              <a:rPr lang="en-GB" sz="3600" dirty="0">
                 <a:solidFill>
                   <a:schemeClr val="bg1"/>
                 </a:solidFill>
               </a:rPr>
             </a:br>
             <a:r>
-              <a:rPr lang="en-GB" sz="4800" dirty="0">
+              <a:rPr lang="en-GB" sz="3600" dirty="0">
                 <a:solidFill>
                   <a:schemeClr val="bg1"/>
                 </a:solidFill>
@@ -3657,7 +3657,7 @@
           </a:p>
           <a:p>
             <a:r>
-              <a:rPr lang="en-GB" sz="4800" dirty="0">
+              <a:rPr lang="en-GB" sz="3600" dirty="0">
                 <a:solidFill>
                   <a:schemeClr val="bg1"/>
                 </a:solidFill>
@@ -3667,17 +3667,17 @@
           </a:p>
           <a:p>
             <a:r>
-              <a:rPr lang="en-GB" sz="4800" dirty="0">
+              <a:rPr lang="en-GB" sz="3600" dirty="0">
                 <a:solidFill>
                   <a:schemeClr val="bg1"/>
                 </a:solidFill>
               </a:rPr>
-              <a:t>Our God we lift You high </a:t>
-            </a:r>
-          </a:p>
-          <a:p>
-            <a:r>
-              <a:rPr lang="en-GB" sz="4800" dirty="0">
+              <a:t>Our God, we lift You high </a:t>
+            </a:r>
+          </a:p>
+          <a:p>
+            <a:r>
+              <a:rPr lang="en-GB" sz="3600" dirty="0">
                 <a:solidFill>
                   <a:schemeClr val="bg1"/>
                 </a:solidFill>
@@ -3687,7 +3687,7 @@
           </a:p>
           <a:p>
             <a:r>
-              <a:rPr lang="en-GB" sz="4800" dirty="0">
+              <a:rPr lang="en-GB" sz="3600" dirty="0">
                 <a:solidFill>
                   <a:schemeClr val="bg1"/>
                 </a:solidFill>
@@ -3697,7 +3697,7 @@
           </a:p>
           <a:p>
             <a:r>
-              <a:rPr lang="en-GB" sz="4800" dirty="0">
+              <a:rPr lang="en-GB" sz="3600" dirty="0">
                 <a:solidFill>
                   <a:schemeClr val="bg1"/>
                 </a:solidFill>
